--- a/viite-UI/manual/Presentation12.pptx
+++ b/viite-UI/manual/Presentation12.pptx
@@ -5,7 +5,8 @@
     <p:sldMasterId id="2147483648" r:id="rId1"/>
   </p:sldMasterIdLst>
   <p:sldIdLst>
-    <p:sldId id="257" r:id="rId2"/>
+    <p:sldId id="258" r:id="rId2"/>
+    <p:sldId id="257" r:id="rId3"/>
   </p:sldIdLst>
   <p:sldSz cx="12192000" cy="6858000"/>
   <p:notesSz cx="6858000" cy="9144000"/>
@@ -241,7 +242,7 @@
           <a:p>
             <a:fld id="{D3B6C589-7313-4E4B-8515-13C1DBFD88ED}" type="datetimeFigureOut">
               <a:rPr lang="en-US" smtClean="0"/>
-              <a:t>5/8/2017</a:t>
+              <a:t>9/14/2017</a:t>
             </a:fld>
             <a:endParaRPr lang="en-US"/>
           </a:p>
@@ -409,7 +410,7 @@
           <a:p>
             <a:fld id="{D3B6C589-7313-4E4B-8515-13C1DBFD88ED}" type="datetimeFigureOut">
               <a:rPr lang="en-US" smtClean="0"/>
-              <a:t>5/8/2017</a:t>
+              <a:t>9/14/2017</a:t>
             </a:fld>
             <a:endParaRPr lang="en-US"/>
           </a:p>
@@ -587,7 +588,7 @@
           <a:p>
             <a:fld id="{D3B6C589-7313-4E4B-8515-13C1DBFD88ED}" type="datetimeFigureOut">
               <a:rPr lang="en-US" smtClean="0"/>
-              <a:t>5/8/2017</a:t>
+              <a:t>9/14/2017</a:t>
             </a:fld>
             <a:endParaRPr lang="en-US"/>
           </a:p>
@@ -755,7 +756,7 @@
           <a:p>
             <a:fld id="{D3B6C589-7313-4E4B-8515-13C1DBFD88ED}" type="datetimeFigureOut">
               <a:rPr lang="en-US" smtClean="0"/>
-              <a:t>5/8/2017</a:t>
+              <a:t>9/14/2017</a:t>
             </a:fld>
             <a:endParaRPr lang="en-US"/>
           </a:p>
@@ -1000,7 +1001,7 @@
           <a:p>
             <a:fld id="{D3B6C589-7313-4E4B-8515-13C1DBFD88ED}" type="datetimeFigureOut">
               <a:rPr lang="en-US" smtClean="0"/>
-              <a:t>5/8/2017</a:t>
+              <a:t>9/14/2017</a:t>
             </a:fld>
             <a:endParaRPr lang="en-US"/>
           </a:p>
@@ -1229,7 +1230,7 @@
           <a:p>
             <a:fld id="{D3B6C589-7313-4E4B-8515-13C1DBFD88ED}" type="datetimeFigureOut">
               <a:rPr lang="en-US" smtClean="0"/>
-              <a:t>5/8/2017</a:t>
+              <a:t>9/14/2017</a:t>
             </a:fld>
             <a:endParaRPr lang="en-US"/>
           </a:p>
@@ -1593,7 +1594,7 @@
           <a:p>
             <a:fld id="{D3B6C589-7313-4E4B-8515-13C1DBFD88ED}" type="datetimeFigureOut">
               <a:rPr lang="en-US" smtClean="0"/>
-              <a:t>5/8/2017</a:t>
+              <a:t>9/14/2017</a:t>
             </a:fld>
             <a:endParaRPr lang="en-US"/>
           </a:p>
@@ -1710,7 +1711,7 @@
           <a:p>
             <a:fld id="{D3B6C589-7313-4E4B-8515-13C1DBFD88ED}" type="datetimeFigureOut">
               <a:rPr lang="en-US" smtClean="0"/>
-              <a:t>5/8/2017</a:t>
+              <a:t>9/14/2017</a:t>
             </a:fld>
             <a:endParaRPr lang="en-US"/>
           </a:p>
@@ -1805,7 +1806,7 @@
           <a:p>
             <a:fld id="{D3B6C589-7313-4E4B-8515-13C1DBFD88ED}" type="datetimeFigureOut">
               <a:rPr lang="en-US" smtClean="0"/>
-              <a:t>5/8/2017</a:t>
+              <a:t>9/14/2017</a:t>
             </a:fld>
             <a:endParaRPr lang="en-US"/>
           </a:p>
@@ -2080,7 +2081,7 @@
           <a:p>
             <a:fld id="{D3B6C589-7313-4E4B-8515-13C1DBFD88ED}" type="datetimeFigureOut">
               <a:rPr lang="en-US" smtClean="0"/>
-              <a:t>5/8/2017</a:t>
+              <a:t>9/14/2017</a:t>
             </a:fld>
             <a:endParaRPr lang="en-US"/>
           </a:p>
@@ -2332,7 +2333,7 @@
           <a:p>
             <a:fld id="{D3B6C589-7313-4E4B-8515-13C1DBFD88ED}" type="datetimeFigureOut">
               <a:rPr lang="en-US" smtClean="0"/>
-              <a:t>5/8/2017</a:t>
+              <a:t>9/14/2017</a:t>
             </a:fld>
             <a:endParaRPr lang="en-US"/>
           </a:p>
@@ -2543,7 +2544,7 @@
           <a:p>
             <a:fld id="{D3B6C589-7313-4E4B-8515-13C1DBFD88ED}" type="datetimeFigureOut">
               <a:rPr lang="en-US" smtClean="0"/>
-              <a:t>5/8/2017</a:t>
+              <a:t>9/14/2017</a:t>
             </a:fld>
             <a:endParaRPr lang="en-US"/>
           </a:p>
@@ -2948,36 +2949,122 @@
           <a:chExt cx="0" cy="0"/>
         </a:xfrm>
       </p:grpSpPr>
+      <p:sp>
+        <p:nvSpPr>
+          <p:cNvPr id="2" name="Title 1"/>
+          <p:cNvSpPr>
+            <a:spLocks noGrp="1"/>
+          </p:cNvSpPr>
+          <p:nvPr>
+            <p:ph type="ctrTitle"/>
+          </p:nvPr>
+        </p:nvSpPr>
+        <p:spPr/>
+        <p:txBody>
+          <a:bodyPr/>
+          <a:lstStyle/>
+          <a:p>
+            <a:endParaRPr lang="fi-FI"/>
+          </a:p>
+        </p:txBody>
+      </p:sp>
+      <p:sp>
+        <p:nvSpPr>
+          <p:cNvPr id="3" name="Subtitle 2"/>
+          <p:cNvSpPr>
+            <a:spLocks noGrp="1"/>
+          </p:cNvSpPr>
+          <p:nvPr>
+            <p:ph type="subTitle" idx="1"/>
+          </p:nvPr>
+        </p:nvSpPr>
+        <p:spPr/>
+        <p:txBody>
+          <a:bodyPr/>
+          <a:lstStyle/>
+          <a:p>
+            <a:endParaRPr lang="fi-FI"/>
+          </a:p>
+        </p:txBody>
+      </p:sp>
       <p:pic>
         <p:nvPicPr>
-          <p:cNvPr id="5" name="Picture 4"/>
+          <p:cNvPr id="4" name="Picture 3"/>
           <p:cNvPicPr>
             <a:picLocks noChangeAspect="1"/>
           </p:cNvPicPr>
           <p:nvPr/>
         </p:nvPicPr>
         <p:blipFill>
-          <a:blip r:embed="rId2">
-            <a:extLst>
-              <a:ext uri="{28A0092B-C50C-407E-A947-70E740481C1C}">
-                <a14:useLocalDpi xmlns:a14="http://schemas.microsoft.com/office/drawing/2010/main" val="0"/>
-              </a:ext>
-            </a:extLst>
-          </a:blip>
+          <a:blip r:embed="rId2"/>
           <a:stretch>
             <a:fillRect/>
           </a:stretch>
         </p:blipFill>
         <p:spPr>
           <a:xfrm>
-            <a:off x="0" y="0"/>
-            <a:ext cx="11710127" cy="6858000"/>
+            <a:off x="0" y="37429"/>
+            <a:ext cx="12192000" cy="6810176"/>
           </a:xfrm>
           <a:prstGeom prst="rect">
             <a:avLst/>
           </a:prstGeom>
         </p:spPr>
       </p:pic>
+    </p:spTree>
+    <p:extLst>
+      <p:ext uri="{BB962C8B-B14F-4D97-AF65-F5344CB8AC3E}">
+        <p14:creationId xmlns:p14="http://schemas.microsoft.com/office/powerpoint/2010/main" val="2164147539"/>
+      </p:ext>
+    </p:extLst>
+  </p:cSld>
+  <p:clrMapOvr>
+    <a:masterClrMapping/>
+  </p:clrMapOvr>
+</p:sld>
+</file>
+
+<file path=ppt/slides/slide2.xml><?xml version="1.0" encoding="utf-8"?>
+<p:sld xmlns:a="http://schemas.openxmlformats.org/drawingml/2006/main" xmlns:r="http://schemas.openxmlformats.org/officeDocument/2006/relationships" xmlns:p="http://schemas.openxmlformats.org/presentationml/2006/main">
+  <p:cSld>
+    <p:spTree>
+      <p:nvGrpSpPr>
+        <p:cNvPr id="1" name=""/>
+        <p:cNvGrpSpPr/>
+        <p:nvPr/>
+      </p:nvGrpSpPr>
+      <p:grpSpPr>
+        <a:xfrm>
+          <a:off x="0" y="0"/>
+          <a:ext cx="0" cy="0"/>
+          <a:chOff x="0" y="0"/>
+          <a:chExt cx="0" cy="0"/>
+        </a:xfrm>
+      </p:grpSpPr>
+      <p:pic>
+        <p:nvPicPr>
+          <p:cNvPr id="2" name="Picture 1"/>
+          <p:cNvPicPr>
+            <a:picLocks noChangeAspect="1"/>
+          </p:cNvPicPr>
+          <p:nvPr/>
+        </p:nvPicPr>
+        <p:blipFill>
+          <a:blip r:embed="rId2"/>
+          <a:stretch>
+            <a:fillRect/>
+          </a:stretch>
+        </p:blipFill>
+        <p:spPr>
+          <a:xfrm>
+            <a:off x="0" y="37429"/>
+            <a:ext cx="12192000" cy="6810176"/>
+          </a:xfrm>
+          <a:prstGeom prst="rect">
+            <a:avLst/>
+          </a:prstGeom>
+        </p:spPr>
+      </p:pic>
       <p:sp>
         <p:nvSpPr>
           <p:cNvPr id="4" name="Oval 3"/>
@@ -2986,7 +3073,7 @@
         </p:nvSpPr>
         <p:spPr>
           <a:xfrm>
-            <a:off x="9358276" y="1062980"/>
+            <a:off x="9882318" y="1105757"/>
             <a:ext cx="320842" cy="328863"/>
           </a:xfrm>
           <a:prstGeom prst="ellipse">
@@ -3044,7 +3131,7 @@
         </p:nvSpPr>
         <p:spPr>
           <a:xfrm>
-            <a:off x="10874255" y="5987907"/>
+            <a:off x="11104191" y="5923738"/>
             <a:ext cx="320842" cy="328863"/>
           </a:xfrm>
           <a:prstGeom prst="ellipse">
